--- a/Week 3/git.pptx
+++ b/Week 3/git.pptx
@@ -289,7 +289,7 @@
           <a:p>
             <a:fld id="{BA760CC2-DE17-47C4-A1E1-01B8D49B03B8}" type="datetimeFigureOut">
               <a:rPr lang="en-IN" smtClean="0"/>
-              <a:t>06-09-2025</a:t>
+              <a:t>07-09-2025</a:t>
             </a:fld>
             <a:endParaRPr lang="en-IN"/>
           </a:p>
@@ -489,7 +489,7 @@
           <a:p>
             <a:fld id="{BA760CC2-DE17-47C4-A1E1-01B8D49B03B8}" type="datetimeFigureOut">
               <a:rPr lang="en-IN" smtClean="0"/>
-              <a:t>06-09-2025</a:t>
+              <a:t>07-09-2025</a:t>
             </a:fld>
             <a:endParaRPr lang="en-IN"/>
           </a:p>
@@ -699,7 +699,7 @@
           <a:p>
             <a:fld id="{BA760CC2-DE17-47C4-A1E1-01B8D49B03B8}" type="datetimeFigureOut">
               <a:rPr lang="en-IN" smtClean="0"/>
-              <a:t>06-09-2025</a:t>
+              <a:t>07-09-2025</a:t>
             </a:fld>
             <a:endParaRPr lang="en-IN"/>
           </a:p>
@@ -899,7 +899,7 @@
           <a:p>
             <a:fld id="{BA760CC2-DE17-47C4-A1E1-01B8D49B03B8}" type="datetimeFigureOut">
               <a:rPr lang="en-IN" smtClean="0"/>
-              <a:t>06-09-2025</a:t>
+              <a:t>07-09-2025</a:t>
             </a:fld>
             <a:endParaRPr lang="en-IN"/>
           </a:p>
@@ -1175,7 +1175,7 @@
           <a:p>
             <a:fld id="{BA760CC2-DE17-47C4-A1E1-01B8D49B03B8}" type="datetimeFigureOut">
               <a:rPr lang="en-IN" smtClean="0"/>
-              <a:t>06-09-2025</a:t>
+              <a:t>07-09-2025</a:t>
             </a:fld>
             <a:endParaRPr lang="en-IN"/>
           </a:p>
@@ -1443,7 +1443,7 @@
           <a:p>
             <a:fld id="{BA760CC2-DE17-47C4-A1E1-01B8D49B03B8}" type="datetimeFigureOut">
               <a:rPr lang="en-IN" smtClean="0"/>
-              <a:t>06-09-2025</a:t>
+              <a:t>07-09-2025</a:t>
             </a:fld>
             <a:endParaRPr lang="en-IN"/>
           </a:p>
@@ -1858,7 +1858,7 @@
           <a:p>
             <a:fld id="{BA760CC2-DE17-47C4-A1E1-01B8D49B03B8}" type="datetimeFigureOut">
               <a:rPr lang="en-IN" smtClean="0"/>
-              <a:t>06-09-2025</a:t>
+              <a:t>07-09-2025</a:t>
             </a:fld>
             <a:endParaRPr lang="en-IN"/>
           </a:p>
@@ -2000,7 +2000,7 @@
           <a:p>
             <a:fld id="{BA760CC2-DE17-47C4-A1E1-01B8D49B03B8}" type="datetimeFigureOut">
               <a:rPr lang="en-IN" smtClean="0"/>
-              <a:t>06-09-2025</a:t>
+              <a:t>07-09-2025</a:t>
             </a:fld>
             <a:endParaRPr lang="en-IN"/>
           </a:p>
@@ -2113,7 +2113,7 @@
           <a:p>
             <a:fld id="{BA760CC2-DE17-47C4-A1E1-01B8D49B03B8}" type="datetimeFigureOut">
               <a:rPr lang="en-IN" smtClean="0"/>
-              <a:t>06-09-2025</a:t>
+              <a:t>07-09-2025</a:t>
             </a:fld>
             <a:endParaRPr lang="en-IN"/>
           </a:p>
@@ -2426,7 +2426,7 @@
           <a:p>
             <a:fld id="{BA760CC2-DE17-47C4-A1E1-01B8D49B03B8}" type="datetimeFigureOut">
               <a:rPr lang="en-IN" smtClean="0"/>
-              <a:t>06-09-2025</a:t>
+              <a:t>07-09-2025</a:t>
             </a:fld>
             <a:endParaRPr lang="en-IN"/>
           </a:p>
@@ -2715,7 +2715,7 @@
           <a:p>
             <a:fld id="{BA760CC2-DE17-47C4-A1E1-01B8D49B03B8}" type="datetimeFigureOut">
               <a:rPr lang="en-IN" smtClean="0"/>
-              <a:t>06-09-2025</a:t>
+              <a:t>07-09-2025</a:t>
             </a:fld>
             <a:endParaRPr lang="en-IN"/>
           </a:p>
@@ -2958,7 +2958,7 @@
           <a:p>
             <a:fld id="{BA760CC2-DE17-47C4-A1E1-01B8D49B03B8}" type="datetimeFigureOut">
               <a:rPr lang="en-IN" smtClean="0"/>
-              <a:t>06-09-2025</a:t>
+              <a:t>07-09-2025</a:t>
             </a:fld>
             <a:endParaRPr lang="en-IN"/>
           </a:p>
@@ -4861,7 +4861,7 @@
         </p:nvSpPr>
         <p:spPr>
           <a:xfrm>
-            <a:off x="1468876" y="1150461"/>
+            <a:off x="1602041" y="990663"/>
             <a:ext cx="10359957" cy="5021055"/>
           </a:xfrm>
           <a:prstGeom prst="rect">
@@ -6356,7 +6356,19 @@
           <a:p>
             <a:r>
               <a:rPr lang="en-US" dirty="0"/>
-              <a:t>git tag -a v1.0 -m "Release version 1.0“</a:t>
+              <a:t>git tag -a v1.0 &lt;</a:t>
+            </a:r>
+            <a:r>
+              <a:rPr lang="en-US" dirty="0" err="1"/>
+              <a:t>cid</a:t>
+            </a:r>
+            <a:r>
+              <a:rPr lang="en-US"/>
+              <a:t>&gt; </a:t>
+            </a:r>
+            <a:r>
+              <a:rPr lang="en-US" dirty="0"/>
+              <a:t>-m "Release version 1.0“</a:t>
             </a:r>
           </a:p>
           <a:p>
@@ -7980,7 +7992,7 @@
                         <a:buNone/>
                       </a:pPr>
                       <a:r>
-                        <a:rPr lang="en-IN"/>
+                        <a:rPr lang="en-IN" dirty="0"/>
                         <a:t>q</a:t>
                       </a:r>
                     </a:p>
